--- a/Model_Versions/Parametric_Uncertainty/Sensitivity_Analysis/Sobol/SALib/Output/Figures/Sobol_setup.pptx
+++ b/Model_Versions/Parametric_Uncertainty/Sensitivity_Analysis/Sobol/SALib/Output/Figures/Sobol_setup.pptx
@@ -288,7 +288,7 @@
           <a:p>
             <a:fld id="{3C187E5C-C850-8043-9845-6806D25816AE}" type="datetimeFigureOut">
               <a:rPr lang="en-US" smtClean="0"/>
-              <a:t>11/18/15</a:t>
+              <a:t>6/1/16</a:t>
             </a:fld>
             <a:endParaRPr lang="en-US"/>
           </a:p>
@@ -458,7 +458,7 @@
           <a:p>
             <a:fld id="{3C187E5C-C850-8043-9845-6806D25816AE}" type="datetimeFigureOut">
               <a:rPr lang="en-US" smtClean="0"/>
-              <a:t>11/18/15</a:t>
+              <a:t>6/1/16</a:t>
             </a:fld>
             <a:endParaRPr lang="en-US"/>
           </a:p>
@@ -638,7 +638,7 @@
           <a:p>
             <a:fld id="{3C187E5C-C850-8043-9845-6806D25816AE}" type="datetimeFigureOut">
               <a:rPr lang="en-US" smtClean="0"/>
-              <a:t>11/18/15</a:t>
+              <a:t>6/1/16</a:t>
             </a:fld>
             <a:endParaRPr lang="en-US"/>
           </a:p>
@@ -808,7 +808,7 @@
           <a:p>
             <a:fld id="{3C187E5C-C850-8043-9845-6806D25816AE}" type="datetimeFigureOut">
               <a:rPr lang="en-US" smtClean="0"/>
-              <a:t>11/18/15</a:t>
+              <a:t>6/1/16</a:t>
             </a:fld>
             <a:endParaRPr lang="en-US"/>
           </a:p>
@@ -1054,7 +1054,7 @@
           <a:p>
             <a:fld id="{3C187E5C-C850-8043-9845-6806D25816AE}" type="datetimeFigureOut">
               <a:rPr lang="en-US" smtClean="0"/>
-              <a:t>11/18/15</a:t>
+              <a:t>6/1/16</a:t>
             </a:fld>
             <a:endParaRPr lang="en-US"/>
           </a:p>
@@ -1342,7 +1342,7 @@
           <a:p>
             <a:fld id="{3C187E5C-C850-8043-9845-6806D25816AE}" type="datetimeFigureOut">
               <a:rPr lang="en-US" smtClean="0"/>
-              <a:t>11/18/15</a:t>
+              <a:t>6/1/16</a:t>
             </a:fld>
             <a:endParaRPr lang="en-US"/>
           </a:p>
@@ -1769,7 +1769,7 @@
           <a:p>
             <a:fld id="{3C187E5C-C850-8043-9845-6806D25816AE}" type="datetimeFigureOut">
               <a:rPr lang="en-US" smtClean="0"/>
-              <a:t>11/18/15</a:t>
+              <a:t>6/1/16</a:t>
             </a:fld>
             <a:endParaRPr lang="en-US"/>
           </a:p>
@@ -1887,7 +1887,7 @@
           <a:p>
             <a:fld id="{3C187E5C-C850-8043-9845-6806D25816AE}" type="datetimeFigureOut">
               <a:rPr lang="en-US" smtClean="0"/>
-              <a:t>11/18/15</a:t>
+              <a:t>6/1/16</a:t>
             </a:fld>
             <a:endParaRPr lang="en-US"/>
           </a:p>
@@ -1982,7 +1982,7 @@
           <a:p>
             <a:fld id="{3C187E5C-C850-8043-9845-6806D25816AE}" type="datetimeFigureOut">
               <a:rPr lang="en-US" smtClean="0"/>
-              <a:t>11/18/15</a:t>
+              <a:t>6/1/16</a:t>
             </a:fld>
             <a:endParaRPr lang="en-US"/>
           </a:p>
@@ -2259,7 +2259,7 @@
           <a:p>
             <a:fld id="{3C187E5C-C850-8043-9845-6806D25816AE}" type="datetimeFigureOut">
               <a:rPr lang="en-US" smtClean="0"/>
-              <a:t>11/18/15</a:t>
+              <a:t>6/1/16</a:t>
             </a:fld>
             <a:endParaRPr lang="en-US"/>
           </a:p>
@@ -2512,7 +2512,7 @@
           <a:p>
             <a:fld id="{3C187E5C-C850-8043-9845-6806D25816AE}" type="datetimeFigureOut">
               <a:rPr lang="en-US" smtClean="0"/>
-              <a:t>11/18/15</a:t>
+              <a:t>6/1/16</a:t>
             </a:fld>
             <a:endParaRPr lang="en-US"/>
           </a:p>
@@ -2725,7 +2725,7 @@
           <a:p>
             <a:fld id="{3C187E5C-C850-8043-9845-6806D25816AE}" type="datetimeFigureOut">
               <a:rPr lang="en-US" smtClean="0"/>
-              <a:t>11/18/15</a:t>
+              <a:t>6/1/16</a:t>
             </a:fld>
             <a:endParaRPr lang="en-US"/>
           </a:p>
@@ -3966,14 +3966,7 @@
                 <a:latin typeface="Helvetica"/>
                 <a:cs typeface="Helvetica"/>
               </a:rPr>
-              <a:t>. </a:t>
-            </a:r>
-            <a:r>
-              <a:rPr lang="en-US" sz="1200" dirty="0" smtClean="0">
-                <a:latin typeface="Helvetica"/>
-                <a:cs typeface="Helvetica"/>
-              </a:rPr>
-              <a:t>Discounted damages</a:t>
+              <a:t>. Discounted damages</a:t>
             </a:r>
             <a:endParaRPr lang="en-US" sz="1200" dirty="0">
               <a:latin typeface="Helvetica"/>
@@ -3984,7 +3977,7 @@
       </p:sp>
       <p:pic>
         <p:nvPicPr>
-          <p:cNvPr id="2" name="Picture 1" descr="total_costs.eps"/>
+          <p:cNvPr id="7" name="Picture 6" descr="costs.eps"/>
           <p:cNvPicPr>
             <a:picLocks noChangeAspect="1"/>
           </p:cNvPicPr>
@@ -3992,64 +3985,6 @@
         </p:nvPicPr>
         <p:blipFill rotWithShape="1">
           <a:blip r:embed="rId2">
-            <a:extLst>
-              <a:ext uri="{28A0092B-C50C-407E-A947-70E740481C1C}">
-                <a14:useLocalDpi xmlns:a14="http://schemas.microsoft.com/office/drawing/2010/main" val="0"/>
-              </a:ext>
-            </a:extLst>
-          </a:blip>
-          <a:srcRect l="24468" t="15413" r="20080" b="30827"/>
-          <a:stretch/>
-        </p:blipFill>
-        <p:spPr>
-          <a:xfrm>
-            <a:off x="28382" y="192024"/>
-            <a:ext cx="2697480" cy="2615184"/>
-          </a:xfrm>
-          <a:prstGeom prst="rect">
-            <a:avLst/>
-          </a:prstGeom>
-        </p:spPr>
-      </p:pic>
-      <p:pic>
-        <p:nvPicPr>
-          <p:cNvPr id="3" name="Picture 2" descr="reliability.eps"/>
-          <p:cNvPicPr>
-            <a:picLocks noChangeAspect="1"/>
-          </p:cNvPicPr>
-          <p:nvPr/>
-        </p:nvPicPr>
-        <p:blipFill rotWithShape="1">
-          <a:blip r:embed="rId3">
-            <a:extLst>
-              <a:ext uri="{28A0092B-C50C-407E-A947-70E740481C1C}">
-                <a14:useLocalDpi xmlns:a14="http://schemas.microsoft.com/office/drawing/2010/main" val="0"/>
-              </a:ext>
-            </a:extLst>
-          </a:blip>
-          <a:srcRect l="24530" t="15414" r="20019" b="30827"/>
-          <a:stretch/>
-        </p:blipFill>
-        <p:spPr>
-          <a:xfrm>
-            <a:off x="3008376" y="192024"/>
-            <a:ext cx="2697480" cy="2615184"/>
-          </a:xfrm>
-          <a:prstGeom prst="rect">
-            <a:avLst/>
-          </a:prstGeom>
-        </p:spPr>
-      </p:pic>
-      <p:pic>
-        <p:nvPicPr>
-          <p:cNvPr id="4" name="Picture 3" descr="costs.eps"/>
-          <p:cNvPicPr>
-            <a:picLocks noChangeAspect="1"/>
-          </p:cNvPicPr>
-          <p:nvPr/>
-        </p:nvPicPr>
-        <p:blipFill rotWithShape="1">
-          <a:blip r:embed="rId4">
             <a:extLst>
               <a:ext uri="{28A0092B-C50C-407E-A947-70E740481C1C}">
                 <a14:useLocalDpi xmlns:a14="http://schemas.microsoft.com/office/drawing/2010/main" val="0"/>
@@ -4071,7 +4006,65 @@
       </p:pic>
       <p:pic>
         <p:nvPicPr>
-          <p:cNvPr id="5" name="Picture 4" descr="damages.eps"/>
+          <p:cNvPr id="8" name="Picture 7" descr="total_costs.eps"/>
+          <p:cNvPicPr>
+            <a:picLocks noChangeAspect="1"/>
+          </p:cNvPicPr>
+          <p:nvPr/>
+        </p:nvPicPr>
+        <p:blipFill rotWithShape="1">
+          <a:blip r:embed="rId3">
+            <a:extLst>
+              <a:ext uri="{28A0092B-C50C-407E-A947-70E740481C1C}">
+                <a14:useLocalDpi xmlns:a14="http://schemas.microsoft.com/office/drawing/2010/main" val="0"/>
+              </a:ext>
+            </a:extLst>
+          </a:blip>
+          <a:srcRect l="24530" t="15414" r="20019" b="30827"/>
+          <a:stretch/>
+        </p:blipFill>
+        <p:spPr>
+          <a:xfrm>
+            <a:off x="27432" y="192024"/>
+            <a:ext cx="2697480" cy="2615184"/>
+          </a:xfrm>
+          <a:prstGeom prst="rect">
+            <a:avLst/>
+          </a:prstGeom>
+        </p:spPr>
+      </p:pic>
+      <p:pic>
+        <p:nvPicPr>
+          <p:cNvPr id="10" name="Picture 9" descr="reliability.eps"/>
+          <p:cNvPicPr>
+            <a:picLocks noChangeAspect="1"/>
+          </p:cNvPicPr>
+          <p:nvPr/>
+        </p:nvPicPr>
+        <p:blipFill rotWithShape="1">
+          <a:blip r:embed="rId4">
+            <a:extLst>
+              <a:ext uri="{28A0092B-C50C-407E-A947-70E740481C1C}">
+                <a14:useLocalDpi xmlns:a14="http://schemas.microsoft.com/office/drawing/2010/main" val="0"/>
+              </a:ext>
+            </a:extLst>
+          </a:blip>
+          <a:srcRect l="24530" t="15413" r="20018" b="30827"/>
+          <a:stretch/>
+        </p:blipFill>
+        <p:spPr>
+          <a:xfrm>
+            <a:off x="3008376" y="192024"/>
+            <a:ext cx="2697480" cy="2615184"/>
+          </a:xfrm>
+          <a:prstGeom prst="rect">
+            <a:avLst/>
+          </a:prstGeom>
+        </p:spPr>
+      </p:pic>
+      <p:pic>
+        <p:nvPicPr>
+          <p:cNvPr id="11" name="Picture 10" descr="damages.eps"/>
           <p:cNvPicPr>
             <a:picLocks noChangeAspect="1"/>
           </p:cNvPicPr>
@@ -4085,12 +4078,12 @@
               </a:ext>
             </a:extLst>
           </a:blip>
-          <a:srcRect l="24530" t="15413" r="20019" b="30827"/>
+          <a:srcRect l="24530" t="15413" r="20018" b="30827"/>
           <a:stretch/>
         </p:blipFill>
         <p:spPr>
           <a:xfrm>
-            <a:off x="2999232" y="3081528"/>
+            <a:off x="3008376" y="3081528"/>
             <a:ext cx="2697480" cy="2615184"/>
           </a:xfrm>
           <a:prstGeom prst="rect">
